--- a/poster/PosterProstitutionLegalizationUpdated.pptx
+++ b/poster/PosterProstitutionLegalizationUpdated.pptx
@@ -195,7 +195,7 @@
 <file path=ppt/comments/comment1.xml><?xml version="1.0" encoding="utf-8"?>
 <p:cmLst xmlns:a="http://schemas.openxmlformats.org/drawingml/2006/main" xmlns:r="http://schemas.openxmlformats.org/officeDocument/2006/relationships" xmlns:p="http://schemas.openxmlformats.org/presentationml/2006/main">
   <p:cm authorId="1" dt="2019-12-06T17:24:56.471" idx="4">
-    <p:pos x="7162" y="14043"/>
+    <p:pos x="18893" y="13141"/>
     <p:text>Instead of this paragraph please include more results</p:text>
     <p:extLst>
       <p:ext uri="{C676402C-5697-4E1C-873F-D02D1690AC5C}">
@@ -204,7 +204,7 @@
     </p:extLst>
   </p:cm>
   <p:cm authorId="1" dt="2019-12-06T17:26:18.321" idx="5">
-    <p:pos x="12104" y="14246"/>
+    <p:pos x="18171" y="14880"/>
     <p:text>Make a statistical summary of your data instead of wording. Just make a title of the table saing from where it comes.</p:text>
     <p:extLst>
       <p:ext uri="{C676402C-5697-4E1C-873F-D02D1690AC5C}">
@@ -213,7 +213,7 @@
     </p:extLst>
   </p:cm>
   <p:cm authorId="1" dt="2019-12-06T17:29:39.855" idx="6">
-    <p:pos x="13060" y="18784"/>
+    <p:pos x="18186" y="16096"/>
     <p:text>Which problems? The conclusions are vague. Please, operate with numbers that you got during your analysis, put more results into the poster. Use visualization techniques from the lecture.</p:text>
     <p:extLst>
       <p:ext uri="{C676402C-5697-4E1C-873F-D02D1690AC5C}">
@@ -7354,7 +7354,7 @@
                 <a:latin typeface="Georgia" pitchFamily="18"/>
                 <a:cs typeface="Times New Roman" pitchFamily="18"/>
               </a:rPr>
-              <a:t>The debates about   prostitution legalization  have been going on since immemorial times. Considering that in thousands of years, we have not been able to completely eradicate it or come up with an ideal model of existence</a:t>
+              <a:t>The debates about prostitution legalization  have been going on since immemorial times. Considering that in thousands of years, we have not been able to completely eradicate it or come up with an ideal model of existence</a:t>
             </a:r>
             <a:r>
               <a:rPr lang="uk-UA" sz="2800" dirty="0">
@@ -8519,7 +8519,7 @@
         </p:nvSpPr>
         <p:spPr>
           <a:xfrm>
-            <a:off x="576239" y="26631423"/>
+            <a:off x="546126" y="26172775"/>
             <a:ext cx="24050672" cy="658950"/>
           </a:xfrm>
           <a:prstGeom prst="rect">
@@ -8579,7 +8579,7 @@
         </p:nvSpPr>
         <p:spPr>
           <a:xfrm rot="10799991">
-            <a:off x="22916034" y="26617798"/>
+            <a:off x="22750802" y="26158893"/>
             <a:ext cx="1494851" cy="895709"/>
           </a:xfrm>
           <a:custGeom>
@@ -8805,7 +8805,7 @@
         </p:nvSpPr>
         <p:spPr>
           <a:xfrm rot="10799991">
-            <a:off x="6786242" y="26601455"/>
+            <a:off x="6759972" y="26155658"/>
             <a:ext cx="1494851" cy="895709"/>
           </a:xfrm>
           <a:custGeom>
@@ -8967,7 +8967,7 @@
         </p:nvSpPr>
         <p:spPr>
           <a:xfrm>
-            <a:off x="23446012" y="26559415"/>
+            <a:off x="23244373" y="26133159"/>
             <a:ext cx="316803" cy="762673"/>
           </a:xfrm>
           <a:prstGeom prst="rect">
@@ -9030,7 +9030,7 @@
         </p:nvSpPr>
         <p:spPr>
           <a:xfrm>
-            <a:off x="7276229" y="26559415"/>
+            <a:off x="7206551" y="26090288"/>
             <a:ext cx="525120" cy="769441"/>
           </a:xfrm>
           <a:prstGeom prst="rect">
@@ -9094,7 +9094,7 @@
         </p:nvSpPr>
         <p:spPr>
           <a:xfrm>
-            <a:off x="16189039" y="27228006"/>
+            <a:off x="16315818" y="27131721"/>
             <a:ext cx="8808262" cy="5411079"/>
           </a:xfrm>
           <a:prstGeom prst="rect">
@@ -9129,7 +9129,7 @@
                 </a:solidFill>
                 <a:latin typeface="Georgia" pitchFamily="18"/>
               </a:rPr>
-              <a:t>The results conditionally characterized each of the types of prostitution investigated. They were compiled into an imaginary spreadsheet and ranked from 1 to 6. After summation, the lowest and the best score was shown by full legality – 9. </a:t>
+              <a:t>The results were compiled into an imaginary table and ranked from 1 to 6. After summation, the lowest and the best score was shown by full legality – 9. </a:t>
             </a:r>
             <a:r>
               <a:rPr lang="en-US" sz="2800" dirty="0" err="1">
@@ -9176,6 +9176,44 @@
               </a:rPr>
               <a:t> </a:t>
             </a:r>
+            <a:endParaRPr lang="en-US" sz="2800" dirty="0">
+              <a:solidFill>
+                <a:srgbClr val="1C54A6"/>
+              </a:solidFill>
+              <a:latin typeface="Georgia" pitchFamily="18"/>
+            </a:endParaRPr>
+          </a:p>
+          <a:p>
+            <a:pPr lvl="0" defTabSz="3497579">
+              <a:lnSpc>
+                <a:spcPct val="120000"/>
+              </a:lnSpc>
+              <a:defRPr sz="1800" b="0" i="0" u="none" strike="noStrike" kern="0" cap="none" spc="0" baseline="0">
+                <a:solidFill>
+                  <a:srgbClr val="000000"/>
+                </a:solidFill>
+                <a:uFillTx/>
+              </a:defRPr>
+            </a:pPr>
+            <a:endParaRPr lang="en-US" sz="2800" dirty="0">
+              <a:solidFill>
+                <a:srgbClr val="1C54A6"/>
+              </a:solidFill>
+              <a:latin typeface="Georgia" pitchFamily="18"/>
+            </a:endParaRPr>
+          </a:p>
+          <a:p>
+            <a:pPr lvl="0" defTabSz="3497579">
+              <a:lnSpc>
+                <a:spcPct val="120000"/>
+              </a:lnSpc>
+              <a:defRPr sz="1800" b="0" i="0" u="none" strike="noStrike" kern="0" cap="none" spc="0" baseline="0">
+                <a:solidFill>
+                  <a:srgbClr val="000000"/>
+                </a:solidFill>
+                <a:uFillTx/>
+              </a:defRPr>
+            </a:pPr>
             <a:r>
               <a:rPr lang="en-US" sz="2800" dirty="0">
                 <a:solidFill>
@@ -9568,7 +9606,7 @@
         </p:nvSpPr>
         <p:spPr>
           <a:xfrm>
-            <a:off x="17282095" y="26485759"/>
+            <a:off x="17285891" y="26087128"/>
             <a:ext cx="4725655" cy="962369"/>
           </a:xfrm>
           <a:prstGeom prst="rect">
@@ -9632,7 +9670,7 @@
         </p:nvSpPr>
         <p:spPr>
           <a:xfrm>
-            <a:off x="1159000" y="26525169"/>
+            <a:off x="1343015" y="26055661"/>
             <a:ext cx="3593703" cy="838121"/>
           </a:xfrm>
           <a:prstGeom prst="rect">
@@ -9696,8 +9734,8 @@
         </p:nvSpPr>
         <p:spPr>
           <a:xfrm>
-            <a:off x="603804" y="10520665"/>
-            <a:ext cx="7154640" cy="11421653"/>
+            <a:off x="703856" y="10835146"/>
+            <a:ext cx="7154640" cy="3148619"/>
           </a:xfrm>
           <a:prstGeom prst="rect">
             <a:avLst/>
@@ -9772,221 +9810,6 @@
               </a:solidFill>
               <a:latin typeface="Georgia" pitchFamily="18"/>
             </a:endParaRPr>
-          </a:p>
-          <a:p>
-            <a:pPr marL="457200" lvl="0" indent="-457200" defTabSz="3497579">
-              <a:lnSpc>
-                <a:spcPct val="120000"/>
-              </a:lnSpc>
-              <a:buFontTx/>
-              <a:buChar char="-"/>
-              <a:defRPr sz="1800" b="0" i="0" u="none" strike="noStrike" kern="0" cap="none" spc="0" baseline="0">
-                <a:solidFill>
-                  <a:srgbClr val="000000"/>
-                </a:solidFill>
-                <a:uFillTx/>
-              </a:defRPr>
-            </a:pPr>
-            <a:r>
-              <a:rPr lang="en-CA" sz="2800" dirty="0">
-                <a:solidFill>
-                  <a:srgbClr val="1C54A6"/>
-                </a:solidFill>
-                <a:latin typeface="Georgia" pitchFamily="18"/>
-              </a:rPr>
-              <a:t>General </a:t>
-            </a:r>
-            <a:r>
-              <a:rPr lang="en-US" sz="2800" dirty="0">
-                <a:solidFill>
-                  <a:srgbClr val="1C54A6"/>
-                </a:solidFill>
-                <a:latin typeface="Georgia" pitchFamily="18"/>
-              </a:rPr>
-              <a:t>county identification data</a:t>
-            </a:r>
-            <a:r>
-              <a:rPr lang="en-CA" sz="2800" dirty="0">
-                <a:solidFill>
-                  <a:srgbClr val="1C54A6"/>
-                </a:solidFill>
-                <a:latin typeface="Georgia" pitchFamily="18"/>
-              </a:rPr>
-              <a:t> </a:t>
-            </a:r>
-          </a:p>
-          <a:p>
-            <a:pPr marL="457200" lvl="0" indent="-457200" defTabSz="3497579">
-              <a:lnSpc>
-                <a:spcPct val="120000"/>
-              </a:lnSpc>
-              <a:buFontTx/>
-              <a:buChar char="-"/>
-              <a:defRPr sz="1800" b="0" i="0" u="none" strike="noStrike" kern="0" cap="none" spc="0" baseline="0">
-                <a:solidFill>
-                  <a:srgbClr val="000000"/>
-                </a:solidFill>
-                <a:uFillTx/>
-              </a:defRPr>
-            </a:pPr>
-            <a:r>
-              <a:rPr lang="en-CA" sz="2800" dirty="0">
-                <a:solidFill>
-                  <a:srgbClr val="1C54A6"/>
-                </a:solidFill>
-                <a:latin typeface="Georgia" pitchFamily="18"/>
-              </a:rPr>
-              <a:t>Analyzing influence of prostitution law model on people life</a:t>
-            </a:r>
-          </a:p>
-          <a:p>
-            <a:pPr marL="457200" lvl="0" indent="-457200" defTabSz="3497579">
-              <a:lnSpc>
-                <a:spcPct val="120000"/>
-              </a:lnSpc>
-              <a:buFontTx/>
-              <a:buChar char="-"/>
-              <a:defRPr sz="1800" b="0" i="0" u="none" strike="noStrike" kern="0" cap="none" spc="0" baseline="0">
-                <a:solidFill>
-                  <a:srgbClr val="000000"/>
-                </a:solidFill>
-                <a:uFillTx/>
-              </a:defRPr>
-            </a:pPr>
-            <a:r>
-              <a:rPr lang="en-CA" sz="2800" dirty="0">
-                <a:solidFill>
-                  <a:srgbClr val="1C54A6"/>
-                </a:solidFill>
-                <a:latin typeface="Georgia" pitchFamily="18"/>
-              </a:rPr>
-              <a:t>Analyzing influence of prostitution law model on </a:t>
-            </a:r>
-            <a:r>
-              <a:rPr lang="en-US" sz="2800" dirty="0">
-                <a:solidFill>
-                  <a:srgbClr val="1C54A6"/>
-                </a:solidFill>
-                <a:latin typeface="Georgia" pitchFamily="18"/>
-              </a:rPr>
-              <a:t>country overall</a:t>
-            </a:r>
-            <a:endParaRPr lang="en-CA" sz="2800" dirty="0">
-              <a:solidFill>
-                <a:srgbClr val="1C54A6"/>
-              </a:solidFill>
-              <a:latin typeface="Georgia" pitchFamily="18"/>
-            </a:endParaRPr>
-          </a:p>
-          <a:p>
-            <a:pPr marL="457200" lvl="0" indent="-457200" defTabSz="3497579">
-              <a:lnSpc>
-                <a:spcPct val="120000"/>
-              </a:lnSpc>
-              <a:buFontTx/>
-              <a:buChar char="-"/>
-              <a:defRPr sz="1800" b="0" i="0" u="none" strike="noStrike" kern="0" cap="none" spc="0" baseline="0">
-                <a:solidFill>
-                  <a:srgbClr val="000000"/>
-                </a:solidFill>
-                <a:uFillTx/>
-              </a:defRPr>
-            </a:pPr>
-            <a:r>
-              <a:rPr lang="en-CA" sz="2800" dirty="0">
-                <a:solidFill>
-                  <a:srgbClr val="1C54A6"/>
-                </a:solidFill>
-                <a:latin typeface="Georgia" pitchFamily="18"/>
-              </a:rPr>
-              <a:t>Analyzing influence of prostitution law model on number of sex workers</a:t>
-            </a:r>
-          </a:p>
-          <a:p>
-            <a:pPr lvl="0" defTabSz="3497579">
-              <a:lnSpc>
-                <a:spcPct val="120000"/>
-              </a:lnSpc>
-              <a:defRPr sz="1800" b="0" i="0" u="none" strike="noStrike" kern="0" cap="none" spc="0" baseline="0">
-                <a:solidFill>
-                  <a:srgbClr val="000000"/>
-                </a:solidFill>
-                <a:uFillTx/>
-              </a:defRPr>
-            </a:pPr>
-            <a:endParaRPr lang="sv-SE" sz="2800" dirty="0">
-              <a:solidFill>
-                <a:srgbClr val="1C54A6"/>
-              </a:solidFill>
-              <a:latin typeface="Georgia" pitchFamily="18"/>
-            </a:endParaRPr>
-          </a:p>
-          <a:p>
-            <a:pPr lvl="0" defTabSz="3497579">
-              <a:lnSpc>
-                <a:spcPct val="120000"/>
-              </a:lnSpc>
-              <a:defRPr sz="1800" b="0" i="0" u="none" strike="noStrike" kern="0" cap="none" spc="0" baseline="0">
-                <a:solidFill>
-                  <a:srgbClr val="000000"/>
-                </a:solidFill>
-                <a:uFillTx/>
-              </a:defRPr>
-            </a:pPr>
-            <a:r>
-              <a:rPr lang="en-CA" sz="2800" dirty="0">
-                <a:solidFill>
-                  <a:srgbClr val="1C54A6"/>
-                </a:solidFill>
-                <a:latin typeface="Georgia" pitchFamily="18"/>
-              </a:rPr>
-              <a:t>The purpose of the experiment is to identify the impact of prostitution on different life spheres using real world data</a:t>
-            </a:r>
-            <a:r>
-              <a:rPr lang="sv-SE" sz="2800" dirty="0">
-                <a:solidFill>
-                  <a:srgbClr val="1C54A6"/>
-                </a:solidFill>
-                <a:latin typeface="Georgia" pitchFamily="18"/>
-              </a:rPr>
-              <a:t> and to investigate all law models. Find </a:t>
-            </a:r>
-            <a:r>
-              <a:rPr lang="en-US" sz="2800" dirty="0">
-                <a:solidFill>
-                  <a:srgbClr val="1C54A6"/>
-                </a:solidFill>
-                <a:latin typeface="Georgia" pitchFamily="18"/>
-              </a:rPr>
-              <a:t>and try to explain the reasons for experiment results.</a:t>
-            </a:r>
-            <a:r>
-              <a:rPr lang="uk-UA" sz="2800" dirty="0">
-                <a:solidFill>
-                  <a:srgbClr val="1C54A6"/>
-                </a:solidFill>
-                <a:latin typeface="Georgia" pitchFamily="18"/>
-              </a:rPr>
-              <a:t> </a:t>
-            </a:r>
-            <a:r>
-              <a:rPr lang="en-US" sz="2800" dirty="0">
-                <a:solidFill>
-                  <a:srgbClr val="1C54A6"/>
-                </a:solidFill>
-                <a:latin typeface="Georgia" pitchFamily="18"/>
-              </a:rPr>
-              <a:t>If possible, draw and analyze parallels with Ukraine where the issue of prostitution is very urgent topic .</a:t>
-            </a:r>
-            <a:r>
-              <a:rPr lang="sv-SE" sz="2800" dirty="0">
-                <a:solidFill>
-                  <a:srgbClr val="1C54A6"/>
-                </a:solidFill>
-                <a:latin typeface="Georgia" pitchFamily="18"/>
-              </a:rPr>
-              <a:t>	</a:t>
-            </a:r>
           </a:p>
           <a:p>
             <a:pPr lvl="0" defTabSz="3497579">
@@ -10460,8 +10283,8 @@
         </p:blipFill>
         <p:spPr bwMode="auto">
           <a:xfrm>
-            <a:off x="9353475" y="11883526"/>
-            <a:ext cx="14185903" cy="7285052"/>
+            <a:off x="11602943" y="11882123"/>
+            <a:ext cx="12233947" cy="6282641"/>
           </a:xfrm>
           <a:prstGeom prst="rect">
             <a:avLst/>
@@ -10701,7 +10524,7 @@
         </p:blipFill>
         <p:spPr>
           <a:xfrm>
-            <a:off x="436906" y="21362235"/>
+            <a:off x="436906" y="20611808"/>
             <a:ext cx="8152352" cy="5205813"/>
           </a:xfrm>
           <a:prstGeom prst="rect">
@@ -10723,7 +10546,7 @@
         </p:nvSpPr>
         <p:spPr>
           <a:xfrm>
-            <a:off x="16818784" y="21074783"/>
+            <a:off x="16254150" y="19422028"/>
             <a:ext cx="7732744" cy="954107"/>
           </a:xfrm>
           <a:prstGeom prst="rect">
@@ -10742,93 +10565,6 @@
                 <a:latin typeface="Georgia" panose="02040502050405020303" pitchFamily="18" charset="0"/>
               </a:rPr>
               <a:t>US independent organization World Population Review data. World Factbook</a:t>
-            </a:r>
-          </a:p>
-        </p:txBody>
-      </p:sp>
-      <p:sp>
-        <p:nvSpPr>
-          <p:cNvPr id="90" name="TextBox 89">
-            <a:extLst>
-              <a:ext uri="{FF2B5EF4-FFF2-40B4-BE49-F238E27FC236}">
-                <a16:creationId xmlns:a16="http://schemas.microsoft.com/office/drawing/2014/main" id="{DB1FF3DE-CFB7-4E5D-9D4C-8CB5D1F95108}"/>
-              </a:ext>
-            </a:extLst>
-          </p:cNvPr>
-          <p:cNvSpPr txBox="1"/>
-          <p:nvPr/>
-        </p:nvSpPr>
-        <p:spPr>
-          <a:xfrm>
-            <a:off x="8872537" y="19368950"/>
-            <a:ext cx="15677837" cy="1597425"/>
-          </a:xfrm>
-          <a:prstGeom prst="rect">
-            <a:avLst/>
-          </a:prstGeom>
-          <a:noFill/>
-        </p:spPr>
-        <p:txBody>
-          <a:bodyPr wrap="square" rtlCol="0">
-            <a:spAutoFit/>
-          </a:bodyPr>
-          <a:lstStyle/>
-          <a:p>
-            <a:pPr lvl="0" defTabSz="3497579">
-              <a:lnSpc>
-                <a:spcPct val="120000"/>
-              </a:lnSpc>
-              <a:defRPr sz="1800" b="0" i="0" u="none" strike="noStrike" kern="0" cap="none" spc="0" baseline="0">
-                <a:solidFill>
-                  <a:srgbClr val="000000"/>
-                </a:solidFill>
-                <a:uFillTx/>
-              </a:defRPr>
-            </a:pPr>
-            <a:r>
-              <a:rPr lang="en-US" sz="2800" dirty="0">
-                <a:solidFill>
-                  <a:srgbClr val="1C54A6"/>
-                </a:solidFill>
-                <a:latin typeface="Georgia" pitchFamily="18"/>
-              </a:rPr>
-              <a:t>The research includes analysis of dependencies between the country data and prostitution forms, and between country data and prostitutes quantity. For example: “Prostitution type influence on Literacy</a:t>
-            </a:r>
-            <a:r>
-              <a:rPr lang="uk-UA" sz="2800" dirty="0">
-                <a:solidFill>
-                  <a:srgbClr val="1C54A6"/>
-                </a:solidFill>
-                <a:latin typeface="Georgia" pitchFamily="18"/>
-              </a:rPr>
-              <a:t> </a:t>
-            </a:r>
-            <a:r>
-              <a:rPr lang="en-US" sz="2800" dirty="0">
-                <a:solidFill>
-                  <a:srgbClr val="1C54A6"/>
-                </a:solidFill>
-                <a:latin typeface="Georgia" pitchFamily="18"/>
-              </a:rPr>
-              <a:t>and vice versa”, “Average prostitutes amount influence on Literacy</a:t>
-            </a:r>
-            <a:r>
-              <a:rPr lang="uk-UA" sz="2800" dirty="0">
-                <a:solidFill>
-                  <a:srgbClr val="1C54A6"/>
-                </a:solidFill>
-                <a:latin typeface="Georgia" pitchFamily="18"/>
-              </a:rPr>
-              <a:t> </a:t>
-            </a:r>
-            <a:r>
-              <a:rPr lang="en-US" sz="2800" dirty="0">
-                <a:solidFill>
-                  <a:srgbClr val="1C54A6"/>
-                </a:solidFill>
-                <a:latin typeface="Georgia" pitchFamily="18"/>
-              </a:rPr>
-              <a:t>and vice versa” etc.</a:t>
             </a:r>
           </a:p>
         </p:txBody>
@@ -11219,7 +10955,7 @@
         </p:nvSpPr>
         <p:spPr>
           <a:xfrm>
-            <a:off x="614755" y="27507306"/>
+            <a:off x="619131" y="27176625"/>
             <a:ext cx="6496998" cy="6544507"/>
           </a:xfrm>
           <a:prstGeom prst="rect">
@@ -11541,7 +11277,7 @@
         </p:blipFill>
         <p:spPr>
           <a:xfrm>
-            <a:off x="16985772" y="22070546"/>
+            <a:off x="17029012" y="21793260"/>
             <a:ext cx="7381875" cy="4257675"/>
           </a:xfrm>
           <a:prstGeom prst="rect">
@@ -11563,7 +11299,7 @@
         </p:nvSpPr>
         <p:spPr>
           <a:xfrm>
-            <a:off x="877569" y="20991415"/>
+            <a:off x="793762" y="19959796"/>
             <a:ext cx="7438640" cy="523220"/>
           </a:xfrm>
           <a:prstGeom prst="rect">
@@ -11600,8 +11336,8 @@
         </p:nvSpPr>
         <p:spPr>
           <a:xfrm>
-            <a:off x="8872537" y="21218771"/>
-            <a:ext cx="7732744" cy="4699813"/>
+            <a:off x="8995093" y="20115427"/>
+            <a:ext cx="6324173" cy="5733942"/>
           </a:xfrm>
           <a:prstGeom prst="rect">
             <a:avLst/>
@@ -11907,6 +11643,313 @@
           </a:p>
         </p:txBody>
       </p:sp>
+      <p:sp>
+        <p:nvSpPr>
+          <p:cNvPr id="5" name="TextBox 4">
+            <a:extLst>
+              <a:ext uri="{FF2B5EF4-FFF2-40B4-BE49-F238E27FC236}">
+                <a16:creationId xmlns:a16="http://schemas.microsoft.com/office/drawing/2014/main" id="{1B4F8B74-E23A-47D4-B3D1-E340CBAB3184}"/>
+              </a:ext>
+            </a:extLst>
+          </p:cNvPr>
+          <p:cNvSpPr txBox="1"/>
+          <p:nvPr/>
+        </p:nvSpPr>
+        <p:spPr>
+          <a:xfrm>
+            <a:off x="682574" y="12886386"/>
+            <a:ext cx="10406833" cy="7245060"/>
+          </a:xfrm>
+          <a:prstGeom prst="rect">
+            <a:avLst/>
+          </a:prstGeom>
+          <a:noFill/>
+        </p:spPr>
+        <p:txBody>
+          <a:bodyPr wrap="square" rtlCol="0">
+            <a:spAutoFit/>
+          </a:bodyPr>
+          <a:lstStyle/>
+          <a:p>
+            <a:pPr marL="457200" lvl="0" indent="-457200" defTabSz="3497579">
+              <a:lnSpc>
+                <a:spcPct val="120000"/>
+              </a:lnSpc>
+              <a:buFontTx/>
+              <a:buChar char="-"/>
+              <a:defRPr sz="1800" b="0" i="0" u="none" strike="noStrike" kern="0" cap="none" spc="0" baseline="0">
+                <a:solidFill>
+                  <a:srgbClr val="000000"/>
+                </a:solidFill>
+                <a:uFillTx/>
+              </a:defRPr>
+            </a:pPr>
+            <a:r>
+              <a:rPr lang="en-CA" sz="2800" dirty="0">
+                <a:solidFill>
+                  <a:srgbClr val="1C54A6"/>
+                </a:solidFill>
+                <a:latin typeface="Georgia" pitchFamily="18"/>
+              </a:rPr>
+              <a:t>General </a:t>
+            </a:r>
+            <a:r>
+              <a:rPr lang="en-US" sz="2800" dirty="0">
+                <a:solidFill>
+                  <a:srgbClr val="1C54A6"/>
+                </a:solidFill>
+                <a:latin typeface="Georgia" pitchFamily="18"/>
+              </a:rPr>
+              <a:t>county identification data</a:t>
+            </a:r>
+            <a:r>
+              <a:rPr lang="en-CA" sz="2800" dirty="0">
+                <a:solidFill>
+                  <a:srgbClr val="1C54A6"/>
+                </a:solidFill>
+                <a:latin typeface="Georgia" pitchFamily="18"/>
+              </a:rPr>
+              <a:t> </a:t>
+            </a:r>
+          </a:p>
+          <a:p>
+            <a:pPr marL="457200" lvl="0" indent="-457200" defTabSz="3497579">
+              <a:lnSpc>
+                <a:spcPct val="120000"/>
+              </a:lnSpc>
+              <a:buFontTx/>
+              <a:buChar char="-"/>
+              <a:defRPr sz="1800" b="0" i="0" u="none" strike="noStrike" kern="0" cap="none" spc="0" baseline="0">
+                <a:solidFill>
+                  <a:srgbClr val="000000"/>
+                </a:solidFill>
+                <a:uFillTx/>
+              </a:defRPr>
+            </a:pPr>
+            <a:r>
+              <a:rPr lang="en-CA" sz="2800" dirty="0">
+                <a:solidFill>
+                  <a:srgbClr val="1C54A6"/>
+                </a:solidFill>
+                <a:latin typeface="Georgia" pitchFamily="18"/>
+              </a:rPr>
+              <a:t>Analyzing influence of prostitution law model on people life</a:t>
+            </a:r>
+          </a:p>
+          <a:p>
+            <a:pPr marL="457200" lvl="0" indent="-457200" defTabSz="3497579">
+              <a:lnSpc>
+                <a:spcPct val="120000"/>
+              </a:lnSpc>
+              <a:buFontTx/>
+              <a:buChar char="-"/>
+              <a:defRPr sz="1800" b="0" i="0" u="none" strike="noStrike" kern="0" cap="none" spc="0" baseline="0">
+                <a:solidFill>
+                  <a:srgbClr val="000000"/>
+                </a:solidFill>
+                <a:uFillTx/>
+              </a:defRPr>
+            </a:pPr>
+            <a:r>
+              <a:rPr lang="en-CA" sz="2800" dirty="0">
+                <a:solidFill>
+                  <a:srgbClr val="1C54A6"/>
+                </a:solidFill>
+                <a:latin typeface="Georgia" pitchFamily="18"/>
+              </a:rPr>
+              <a:t>Analyzing influence of prostitution law model on </a:t>
+            </a:r>
+            <a:r>
+              <a:rPr lang="en-US" sz="2800" dirty="0">
+                <a:solidFill>
+                  <a:srgbClr val="1C54A6"/>
+                </a:solidFill>
+                <a:latin typeface="Georgia" pitchFamily="18"/>
+              </a:rPr>
+              <a:t>country overall</a:t>
+            </a:r>
+            <a:endParaRPr lang="en-CA" sz="2800" dirty="0">
+              <a:solidFill>
+                <a:srgbClr val="1C54A6"/>
+              </a:solidFill>
+              <a:latin typeface="Georgia" pitchFamily="18"/>
+            </a:endParaRPr>
+          </a:p>
+          <a:p>
+            <a:pPr marL="457200" lvl="0" indent="-457200" defTabSz="3497579">
+              <a:lnSpc>
+                <a:spcPct val="120000"/>
+              </a:lnSpc>
+              <a:buFontTx/>
+              <a:buChar char="-"/>
+              <a:defRPr sz="1800" b="0" i="0" u="none" strike="noStrike" kern="0" cap="none" spc="0" baseline="0">
+                <a:solidFill>
+                  <a:srgbClr val="000000"/>
+                </a:solidFill>
+                <a:uFillTx/>
+              </a:defRPr>
+            </a:pPr>
+            <a:r>
+              <a:rPr lang="en-CA" sz="2800" dirty="0">
+                <a:solidFill>
+                  <a:srgbClr val="1C54A6"/>
+                </a:solidFill>
+                <a:latin typeface="Georgia" pitchFamily="18"/>
+              </a:rPr>
+              <a:t>Analyzing influence of prostitution law model on number of sex workers</a:t>
+            </a:r>
+          </a:p>
+          <a:p>
+            <a:pPr lvl="0" defTabSz="3497579">
+              <a:lnSpc>
+                <a:spcPct val="120000"/>
+              </a:lnSpc>
+              <a:defRPr sz="1800" b="0" i="0" u="none" strike="noStrike" kern="0" cap="none" spc="0" baseline="0">
+                <a:solidFill>
+                  <a:srgbClr val="000000"/>
+                </a:solidFill>
+                <a:uFillTx/>
+              </a:defRPr>
+            </a:pPr>
+            <a:endParaRPr lang="sv-SE" sz="2800" dirty="0">
+              <a:solidFill>
+                <a:srgbClr val="1C54A6"/>
+              </a:solidFill>
+              <a:latin typeface="Georgia" pitchFamily="18"/>
+            </a:endParaRPr>
+          </a:p>
+          <a:p>
+            <a:pPr lvl="0" defTabSz="3497579">
+              <a:lnSpc>
+                <a:spcPct val="120000"/>
+              </a:lnSpc>
+              <a:defRPr sz="1800" b="0" i="0" u="none" strike="noStrike" kern="0" cap="none" spc="0" baseline="0">
+                <a:solidFill>
+                  <a:srgbClr val="000000"/>
+                </a:solidFill>
+                <a:uFillTx/>
+              </a:defRPr>
+            </a:pPr>
+            <a:r>
+              <a:rPr lang="en-CA" sz="2800" dirty="0">
+                <a:solidFill>
+                  <a:srgbClr val="1C54A6"/>
+                </a:solidFill>
+                <a:latin typeface="Georgia" pitchFamily="18"/>
+              </a:rPr>
+              <a:t>The purpose of the experiment is to identify the impact of prostitution on different life spheres using real world data</a:t>
+            </a:r>
+            <a:r>
+              <a:rPr lang="sv-SE" sz="2800" dirty="0">
+                <a:solidFill>
+                  <a:srgbClr val="1C54A6"/>
+                </a:solidFill>
+                <a:latin typeface="Georgia" pitchFamily="18"/>
+              </a:rPr>
+              <a:t> and to investigate all law models. Find </a:t>
+            </a:r>
+            <a:r>
+              <a:rPr lang="en-US" sz="2800" dirty="0">
+                <a:solidFill>
+                  <a:srgbClr val="1C54A6"/>
+                </a:solidFill>
+                <a:latin typeface="Georgia" pitchFamily="18"/>
+              </a:rPr>
+              <a:t>and try to explain the reasons for experiment results.</a:t>
+            </a:r>
+            <a:r>
+              <a:rPr lang="uk-UA" sz="2800" dirty="0">
+                <a:solidFill>
+                  <a:srgbClr val="1C54A6"/>
+                </a:solidFill>
+                <a:latin typeface="Georgia" pitchFamily="18"/>
+              </a:rPr>
+              <a:t> </a:t>
+            </a:r>
+            <a:r>
+              <a:rPr lang="en-US" sz="2800" dirty="0">
+                <a:solidFill>
+                  <a:srgbClr val="1C54A6"/>
+                </a:solidFill>
+                <a:latin typeface="Georgia" pitchFamily="18"/>
+              </a:rPr>
+              <a:t>If possible, draw and analyze parallels with Ukraine where the issue of prostitution is very urgent topic .</a:t>
+            </a:r>
+            <a:r>
+              <a:rPr lang="sv-SE" sz="2800" dirty="0">
+                <a:solidFill>
+                  <a:srgbClr val="1C54A6"/>
+                </a:solidFill>
+                <a:latin typeface="Georgia" pitchFamily="18"/>
+              </a:rPr>
+              <a:t>	</a:t>
+            </a:r>
+          </a:p>
+          <a:p>
+            <a:endParaRPr lang="uk-UA" sz="2800" dirty="0"/>
+          </a:p>
+        </p:txBody>
+      </p:sp>
+      <p:pic>
+        <p:nvPicPr>
+          <p:cNvPr id="9" name="Рисунок 8">
+            <a:extLst>
+              <a:ext uri="{FF2B5EF4-FFF2-40B4-BE49-F238E27FC236}">
+                <a16:creationId xmlns:a16="http://schemas.microsoft.com/office/drawing/2014/main" id="{FE5D979F-AE1C-4801-BC02-A71A75E3D5B8}"/>
+              </a:ext>
+            </a:extLst>
+          </p:cNvPr>
+          <p:cNvPicPr>
+            <a:picLocks noChangeAspect="1"/>
+          </p:cNvPicPr>
+          <p:nvPr/>
+        </p:nvPicPr>
+        <p:blipFill>
+          <a:blip r:embed="rId12"/>
+          <a:stretch>
+            <a:fillRect/>
+          </a:stretch>
+        </p:blipFill>
+        <p:spPr>
+          <a:xfrm>
+            <a:off x="15553814" y="20612261"/>
+            <a:ext cx="8825273" cy="5095003"/>
+          </a:xfrm>
+          <a:prstGeom prst="rect">
+            <a:avLst/>
+          </a:prstGeom>
+        </p:spPr>
+      </p:pic>
+      <p:pic>
+        <p:nvPicPr>
+          <p:cNvPr id="10" name="Рисунок 9">
+            <a:extLst>
+              <a:ext uri="{FF2B5EF4-FFF2-40B4-BE49-F238E27FC236}">
+                <a16:creationId xmlns:a16="http://schemas.microsoft.com/office/drawing/2014/main" id="{43CD9218-E8F7-4CC8-9D2D-931BE3F464D0}"/>
+              </a:ext>
+            </a:extLst>
+          </p:cNvPr>
+          <p:cNvPicPr>
+            <a:picLocks noChangeAspect="1"/>
+          </p:cNvPicPr>
+          <p:nvPr/>
+        </p:nvPicPr>
+        <p:blipFill>
+          <a:blip r:embed="rId13"/>
+          <a:stretch>
+            <a:fillRect/>
+          </a:stretch>
+        </p:blipFill>
+        <p:spPr>
+          <a:xfrm>
+            <a:off x="16236936" y="25279918"/>
+            <a:ext cx="7767173" cy="490947"/>
+          </a:xfrm>
+          <a:prstGeom prst="rect">
+            <a:avLst/>
+          </a:prstGeom>
+        </p:spPr>
+      </p:pic>
     </p:spTree>
   </p:cSld>
   <p:clrMapOvr>
